--- a/illustrations/agas_interaction.pptx
+++ b/illustrations/agas_interaction.pptx
@@ -2,7 +2,7 @@
 <file path=ppt/presentation.xml><?xml version="1.0" encoding="utf-8"?>
 <p:presentation xmlns:a="http://schemas.openxmlformats.org/drawingml/2006/main" xmlns:r="http://schemas.openxmlformats.org/officeDocument/2006/relationships" xmlns:p="http://schemas.openxmlformats.org/presentationml/2006/main" saveSubsetFonts="1" autoCompressPictures="0">
   <p:sldMasterIdLst>
-    <p:sldMasterId id="2147483648" r:id="rId1"/>
+    <p:sldMasterId id="2147483660" r:id="rId1"/>
   </p:sldMasterIdLst>
   <p:notesMasterIdLst>
     <p:notesMasterId r:id="rId4"/>
@@ -11,7 +11,7 @@
     <p:sldId id="258" r:id="rId2"/>
     <p:sldId id="257" r:id="rId3"/>
   </p:sldIdLst>
-  <p:sldSz cx="12192000" cy="6858000"/>
+  <p:sldSz cx="18288000" cy="6858000"/>
   <p:notesSz cx="6858000" cy="9144000"/>
   <p:defaultTextStyle>
     <a:defPPr>
@@ -198,7 +198,7 @@
           <a:p>
             <a:fld id="{3739F773-5213-754D-B554-7FF9A5C460A2}" type="datetimeFigureOut">
               <a:rPr lang="en-US" smtClean="0"/>
-              <a:t>8/14/18</a:t>
+              <a:t>8/15/18</a:t>
             </a:fld>
             <a:endParaRPr lang="en-US"/>
           </a:p>
@@ -216,8 +216,8 @@
         </p:nvSpPr>
         <p:spPr>
           <a:xfrm>
-            <a:off x="685800" y="1143000"/>
-            <a:ext cx="5486400" cy="3086100"/>
+            <a:off x="-685800" y="1143000"/>
+            <a:ext cx="8229600" cy="3086100"/>
           </a:xfrm>
           <a:prstGeom prst="rect">
             <a:avLst/>
@@ -495,8 +495,8 @@
         </p:nvSpPr>
         <p:spPr>
           <a:xfrm>
-            <a:off x="1524000" y="1122363"/>
-            <a:ext cx="9144000" cy="2387600"/>
+            <a:off x="2286000" y="1122363"/>
+            <a:ext cx="13716000" cy="2387600"/>
           </a:xfrm>
         </p:spPr>
         <p:txBody>
@@ -511,7 +511,7 @@
               <a:rPr lang="en-US" smtClean="0"/>
               <a:t>Click to edit Master title style</a:t>
             </a:r>
-            <a:endParaRPr lang="en-US"/>
+            <a:endParaRPr lang="en-US" dirty="0"/>
           </a:p>
         </p:txBody>
       </p:sp>
@@ -527,8 +527,8 @@
         </p:nvSpPr>
         <p:spPr>
           <a:xfrm>
-            <a:off x="1524000" y="3602038"/>
-            <a:ext cx="9144000" cy="1655762"/>
+            <a:off x="2286000" y="3602038"/>
+            <a:ext cx="13716000" cy="1655762"/>
           </a:xfrm>
         </p:spPr>
         <p:txBody>
@@ -576,7 +576,7 @@
               <a:rPr lang="en-US" smtClean="0"/>
               <a:t>Click to edit Master subtitle style</a:t>
             </a:r>
-            <a:endParaRPr lang="en-US"/>
+            <a:endParaRPr lang="en-US" dirty="0"/>
           </a:p>
         </p:txBody>
       </p:sp>
@@ -597,7 +597,7 @@
           <a:p>
             <a:fld id="{8173885B-41C4-EF40-A00D-9EB844E8C110}" type="datetimeFigureOut">
               <a:rPr lang="en-US" smtClean="0"/>
-              <a:t>8/14/18</a:t>
+              <a:t>8/15/18</a:t>
             </a:fld>
             <a:endParaRPr lang="en-US"/>
           </a:p>
@@ -646,11 +646,6 @@
         </p:txBody>
       </p:sp>
     </p:spTree>
-    <p:extLst>
-      <p:ext uri="{BB962C8B-B14F-4D97-AF65-F5344CB8AC3E}">
-        <p14:creationId xmlns:p14="http://schemas.microsoft.com/office/powerpoint/2010/main" val="580494459"/>
-      </p:ext>
-    </p:extLst>
   </p:cSld>
   <p:clrMapOvr>
     <a:masterClrMapping/>
@@ -694,7 +689,7 @@
               <a:rPr lang="en-US" smtClean="0"/>
               <a:t>Click to edit Master title style</a:t>
             </a:r>
-            <a:endParaRPr lang="en-US"/>
+            <a:endParaRPr lang="en-US" dirty="0"/>
           </a:p>
         </p:txBody>
       </p:sp>
@@ -746,7 +741,7 @@
               <a:rPr lang="en-US" smtClean="0"/>
               <a:t>Fifth level</a:t>
             </a:r>
-            <a:endParaRPr lang="en-US"/>
+            <a:endParaRPr lang="en-US" dirty="0"/>
           </a:p>
         </p:txBody>
       </p:sp>
@@ -767,7 +762,7 @@
           <a:p>
             <a:fld id="{8173885B-41C4-EF40-A00D-9EB844E8C110}" type="datetimeFigureOut">
               <a:rPr lang="en-US" smtClean="0"/>
-              <a:t>8/14/18</a:t>
+              <a:t>8/15/18</a:t>
             </a:fld>
             <a:endParaRPr lang="en-US"/>
           </a:p>
@@ -816,11 +811,6 @@
         </p:txBody>
       </p:sp>
     </p:spTree>
-    <p:extLst>
-      <p:ext uri="{BB962C8B-B14F-4D97-AF65-F5344CB8AC3E}">
-        <p14:creationId xmlns:p14="http://schemas.microsoft.com/office/powerpoint/2010/main" val="1303025704"/>
-      </p:ext>
-    </p:extLst>
   </p:cSld>
   <p:clrMapOvr>
     <a:masterClrMapping/>
@@ -857,8 +847,8 @@
         </p:nvSpPr>
         <p:spPr>
           <a:xfrm>
-            <a:off x="8724900" y="365125"/>
-            <a:ext cx="2628900" cy="5811838"/>
+            <a:off x="13087350" y="365125"/>
+            <a:ext cx="3943350" cy="5811838"/>
           </a:xfrm>
         </p:spPr>
         <p:txBody>
@@ -869,7 +859,7 @@
               <a:rPr lang="en-US" smtClean="0"/>
               <a:t>Click to edit Master title style</a:t>
             </a:r>
-            <a:endParaRPr lang="en-US"/>
+            <a:endParaRPr lang="en-US" dirty="0"/>
           </a:p>
         </p:txBody>
       </p:sp>
@@ -885,8 +875,8 @@
         </p:nvSpPr>
         <p:spPr>
           <a:xfrm>
-            <a:off x="838200" y="365125"/>
-            <a:ext cx="7734300" cy="5811838"/>
+            <a:off x="1257300" y="365125"/>
+            <a:ext cx="11601450" cy="5811838"/>
           </a:xfrm>
         </p:spPr>
         <p:txBody>
@@ -926,7 +916,7 @@
               <a:rPr lang="en-US" smtClean="0"/>
               <a:t>Fifth level</a:t>
             </a:r>
-            <a:endParaRPr lang="en-US"/>
+            <a:endParaRPr lang="en-US" dirty="0"/>
           </a:p>
         </p:txBody>
       </p:sp>
@@ -947,7 +937,7 @@
           <a:p>
             <a:fld id="{8173885B-41C4-EF40-A00D-9EB844E8C110}" type="datetimeFigureOut">
               <a:rPr lang="en-US" smtClean="0"/>
-              <a:t>8/14/18</a:t>
+              <a:t>8/15/18</a:t>
             </a:fld>
             <a:endParaRPr lang="en-US"/>
           </a:p>
@@ -996,11 +986,6 @@
         </p:txBody>
       </p:sp>
     </p:spTree>
-    <p:extLst>
-      <p:ext uri="{BB962C8B-B14F-4D97-AF65-F5344CB8AC3E}">
-        <p14:creationId xmlns:p14="http://schemas.microsoft.com/office/powerpoint/2010/main" val="2062258669"/>
-      </p:ext>
-    </p:extLst>
   </p:cSld>
   <p:clrMapOvr>
     <a:masterClrMapping/>
@@ -1044,7 +1029,7 @@
               <a:rPr lang="en-US" smtClean="0"/>
               <a:t>Click to edit Master title style</a:t>
             </a:r>
-            <a:endParaRPr lang="en-US"/>
+            <a:endParaRPr lang="en-US" dirty="0"/>
           </a:p>
         </p:txBody>
       </p:sp>
@@ -1096,7 +1081,7 @@
               <a:rPr lang="en-US" smtClean="0"/>
               <a:t>Fifth level</a:t>
             </a:r>
-            <a:endParaRPr lang="en-US"/>
+            <a:endParaRPr lang="en-US" dirty="0"/>
           </a:p>
         </p:txBody>
       </p:sp>
@@ -1117,7 +1102,7 @@
           <a:p>
             <a:fld id="{8173885B-41C4-EF40-A00D-9EB844E8C110}" type="datetimeFigureOut">
               <a:rPr lang="en-US" smtClean="0"/>
-              <a:t>8/14/18</a:t>
+              <a:t>8/15/18</a:t>
             </a:fld>
             <a:endParaRPr lang="en-US"/>
           </a:p>
@@ -1166,11 +1151,6 @@
         </p:txBody>
       </p:sp>
     </p:spTree>
-    <p:extLst>
-      <p:ext uri="{BB962C8B-B14F-4D97-AF65-F5344CB8AC3E}">
-        <p14:creationId xmlns:p14="http://schemas.microsoft.com/office/powerpoint/2010/main" val="352164092"/>
-      </p:ext>
-    </p:extLst>
   </p:cSld>
   <p:clrMapOvr>
     <a:masterClrMapping/>
@@ -1207,8 +1187,8 @@
         </p:nvSpPr>
         <p:spPr>
           <a:xfrm>
-            <a:off x="831850" y="1709738"/>
-            <a:ext cx="10515600" cy="2852737"/>
+            <a:off x="1247775" y="1709739"/>
+            <a:ext cx="15773400" cy="2852737"/>
           </a:xfrm>
         </p:spPr>
         <p:txBody>
@@ -1223,7 +1203,7 @@
               <a:rPr lang="en-US" smtClean="0"/>
               <a:t>Click to edit Master title style</a:t>
             </a:r>
-            <a:endParaRPr lang="en-US"/>
+            <a:endParaRPr lang="en-US" dirty="0"/>
           </a:p>
         </p:txBody>
       </p:sp>
@@ -1239,8 +1219,8 @@
         </p:nvSpPr>
         <p:spPr>
           <a:xfrm>
-            <a:off x="831850" y="4589463"/>
-            <a:ext cx="10515600" cy="1500187"/>
+            <a:off x="1247775" y="4589464"/>
+            <a:ext cx="15773400" cy="1500187"/>
           </a:xfrm>
         </p:spPr>
         <p:txBody>
@@ -1363,7 +1343,7 @@
           <a:p>
             <a:fld id="{8173885B-41C4-EF40-A00D-9EB844E8C110}" type="datetimeFigureOut">
               <a:rPr lang="en-US" smtClean="0"/>
-              <a:t>8/14/18</a:t>
+              <a:t>8/15/18</a:t>
             </a:fld>
             <a:endParaRPr lang="en-US"/>
           </a:p>
@@ -1412,11 +1392,6 @@
         </p:txBody>
       </p:sp>
     </p:spTree>
-    <p:extLst>
-      <p:ext uri="{BB962C8B-B14F-4D97-AF65-F5344CB8AC3E}">
-        <p14:creationId xmlns:p14="http://schemas.microsoft.com/office/powerpoint/2010/main" val="356963112"/>
-      </p:ext>
-    </p:extLst>
   </p:cSld>
   <p:clrMapOvr>
     <a:masterClrMapping/>
@@ -1460,7 +1435,7 @@
               <a:rPr lang="en-US" smtClean="0"/>
               <a:t>Click to edit Master title style</a:t>
             </a:r>
-            <a:endParaRPr lang="en-US"/>
+            <a:endParaRPr lang="en-US" dirty="0"/>
           </a:p>
         </p:txBody>
       </p:sp>
@@ -1476,8 +1451,8 @@
         </p:nvSpPr>
         <p:spPr>
           <a:xfrm>
-            <a:off x="838200" y="1825625"/>
-            <a:ext cx="5181600" cy="4351338"/>
+            <a:off x="1257300" y="1825625"/>
+            <a:ext cx="7772400" cy="4351338"/>
           </a:xfrm>
         </p:spPr>
         <p:txBody>
@@ -1517,7 +1492,7 @@
               <a:rPr lang="en-US" smtClean="0"/>
               <a:t>Fifth level</a:t>
             </a:r>
-            <a:endParaRPr lang="en-US"/>
+            <a:endParaRPr lang="en-US" dirty="0"/>
           </a:p>
         </p:txBody>
       </p:sp>
@@ -1533,8 +1508,8 @@
         </p:nvSpPr>
         <p:spPr>
           <a:xfrm>
-            <a:off x="6172200" y="1825625"/>
-            <a:ext cx="5181600" cy="4351338"/>
+            <a:off x="9258300" y="1825625"/>
+            <a:ext cx="7772400" cy="4351338"/>
           </a:xfrm>
         </p:spPr>
         <p:txBody>
@@ -1574,7 +1549,7 @@
               <a:rPr lang="en-US" smtClean="0"/>
               <a:t>Fifth level</a:t>
             </a:r>
-            <a:endParaRPr lang="en-US"/>
+            <a:endParaRPr lang="en-US" dirty="0"/>
           </a:p>
         </p:txBody>
       </p:sp>
@@ -1595,7 +1570,7 @@
           <a:p>
             <a:fld id="{8173885B-41C4-EF40-A00D-9EB844E8C110}" type="datetimeFigureOut">
               <a:rPr lang="en-US" smtClean="0"/>
-              <a:t>8/14/18</a:t>
+              <a:t>8/15/18</a:t>
             </a:fld>
             <a:endParaRPr lang="en-US"/>
           </a:p>
@@ -1644,11 +1619,6 @@
         </p:txBody>
       </p:sp>
     </p:spTree>
-    <p:extLst>
-      <p:ext uri="{BB962C8B-B14F-4D97-AF65-F5344CB8AC3E}">
-        <p14:creationId xmlns:p14="http://schemas.microsoft.com/office/powerpoint/2010/main" val="1557197313"/>
-      </p:ext>
-    </p:extLst>
   </p:cSld>
   <p:clrMapOvr>
     <a:masterClrMapping/>
@@ -1685,8 +1655,8 @@
         </p:nvSpPr>
         <p:spPr>
           <a:xfrm>
-            <a:off x="839788" y="365125"/>
-            <a:ext cx="10515600" cy="1325563"/>
+            <a:off x="1259682" y="365126"/>
+            <a:ext cx="15773400" cy="1325563"/>
           </a:xfrm>
         </p:spPr>
         <p:txBody>
@@ -1697,7 +1667,7 @@
               <a:rPr lang="en-US" smtClean="0"/>
               <a:t>Click to edit Master title style</a:t>
             </a:r>
-            <a:endParaRPr lang="en-US"/>
+            <a:endParaRPr lang="en-US" dirty="0"/>
           </a:p>
         </p:txBody>
       </p:sp>
@@ -1713,8 +1683,8 @@
         </p:nvSpPr>
         <p:spPr>
           <a:xfrm>
-            <a:off x="839788" y="1681163"/>
-            <a:ext cx="5157787" cy="823912"/>
+            <a:off x="1259683" y="1681163"/>
+            <a:ext cx="7736681" cy="823912"/>
           </a:xfrm>
         </p:spPr>
         <p:txBody>
@@ -1778,8 +1748,8 @@
         </p:nvSpPr>
         <p:spPr>
           <a:xfrm>
-            <a:off x="839788" y="2505075"/>
-            <a:ext cx="5157787" cy="3684588"/>
+            <a:off x="1259683" y="2505075"/>
+            <a:ext cx="7736681" cy="3684588"/>
           </a:xfrm>
         </p:spPr>
         <p:txBody>
@@ -1819,7 +1789,7 @@
               <a:rPr lang="en-US" smtClean="0"/>
               <a:t>Fifth level</a:t>
             </a:r>
-            <a:endParaRPr lang="en-US"/>
+            <a:endParaRPr lang="en-US" dirty="0"/>
           </a:p>
         </p:txBody>
       </p:sp>
@@ -1835,8 +1805,8 @@
         </p:nvSpPr>
         <p:spPr>
           <a:xfrm>
-            <a:off x="6172200" y="1681163"/>
-            <a:ext cx="5183188" cy="823912"/>
+            <a:off x="9258300" y="1681163"/>
+            <a:ext cx="7774782" cy="823912"/>
           </a:xfrm>
         </p:spPr>
         <p:txBody>
@@ -1900,8 +1870,8 @@
         </p:nvSpPr>
         <p:spPr>
           <a:xfrm>
-            <a:off x="6172200" y="2505075"/>
-            <a:ext cx="5183188" cy="3684588"/>
+            <a:off x="9258300" y="2505075"/>
+            <a:ext cx="7774782" cy="3684588"/>
           </a:xfrm>
         </p:spPr>
         <p:txBody>
@@ -1941,7 +1911,7 @@
               <a:rPr lang="en-US" smtClean="0"/>
               <a:t>Fifth level</a:t>
             </a:r>
-            <a:endParaRPr lang="en-US"/>
+            <a:endParaRPr lang="en-US" dirty="0"/>
           </a:p>
         </p:txBody>
       </p:sp>
@@ -1962,7 +1932,7 @@
           <a:p>
             <a:fld id="{8173885B-41C4-EF40-A00D-9EB844E8C110}" type="datetimeFigureOut">
               <a:rPr lang="en-US" smtClean="0"/>
-              <a:t>8/14/18</a:t>
+              <a:t>8/15/18</a:t>
             </a:fld>
             <a:endParaRPr lang="en-US"/>
           </a:p>
@@ -2011,11 +1981,6 @@
         </p:txBody>
       </p:sp>
     </p:spTree>
-    <p:extLst>
-      <p:ext uri="{BB962C8B-B14F-4D97-AF65-F5344CB8AC3E}">
-        <p14:creationId xmlns:p14="http://schemas.microsoft.com/office/powerpoint/2010/main" val="432033602"/>
-      </p:ext>
-    </p:extLst>
   </p:cSld>
   <p:clrMapOvr>
     <a:masterClrMapping/>
@@ -2059,7 +2024,7 @@
               <a:rPr lang="en-US" smtClean="0"/>
               <a:t>Click to edit Master title style</a:t>
             </a:r>
-            <a:endParaRPr lang="en-US"/>
+            <a:endParaRPr lang="en-US" dirty="0"/>
           </a:p>
         </p:txBody>
       </p:sp>
@@ -2080,7 +2045,7 @@
           <a:p>
             <a:fld id="{8173885B-41C4-EF40-A00D-9EB844E8C110}" type="datetimeFigureOut">
               <a:rPr lang="en-US" smtClean="0"/>
-              <a:t>8/14/18</a:t>
+              <a:t>8/15/18</a:t>
             </a:fld>
             <a:endParaRPr lang="en-US"/>
           </a:p>
@@ -2129,11 +2094,6 @@
         </p:txBody>
       </p:sp>
     </p:spTree>
-    <p:extLst>
-      <p:ext uri="{BB962C8B-B14F-4D97-AF65-F5344CB8AC3E}">
-        <p14:creationId xmlns:p14="http://schemas.microsoft.com/office/powerpoint/2010/main" val="546538307"/>
-      </p:ext>
-    </p:extLst>
   </p:cSld>
   <p:clrMapOvr>
     <a:masterClrMapping/>
@@ -2175,7 +2135,7 @@
           <a:p>
             <a:fld id="{8173885B-41C4-EF40-A00D-9EB844E8C110}" type="datetimeFigureOut">
               <a:rPr lang="en-US" smtClean="0"/>
-              <a:t>8/14/18</a:t>
+              <a:t>8/15/18</a:t>
             </a:fld>
             <a:endParaRPr lang="en-US"/>
           </a:p>
@@ -2224,11 +2184,6 @@
         </p:txBody>
       </p:sp>
     </p:spTree>
-    <p:extLst>
-      <p:ext uri="{BB962C8B-B14F-4D97-AF65-F5344CB8AC3E}">
-        <p14:creationId xmlns:p14="http://schemas.microsoft.com/office/powerpoint/2010/main" val="881767530"/>
-      </p:ext>
-    </p:extLst>
   </p:cSld>
   <p:clrMapOvr>
     <a:masterClrMapping/>
@@ -2265,8 +2220,8 @@
         </p:nvSpPr>
         <p:spPr>
           <a:xfrm>
-            <a:off x="839788" y="457200"/>
-            <a:ext cx="3932237" cy="1600200"/>
+            <a:off x="1259683" y="457200"/>
+            <a:ext cx="5898356" cy="1600200"/>
           </a:xfrm>
         </p:spPr>
         <p:txBody>
@@ -2281,7 +2236,7 @@
               <a:rPr lang="en-US" smtClean="0"/>
               <a:t>Click to edit Master title style</a:t>
             </a:r>
-            <a:endParaRPr lang="en-US"/>
+            <a:endParaRPr lang="en-US" dirty="0"/>
           </a:p>
         </p:txBody>
       </p:sp>
@@ -2297,8 +2252,8 @@
         </p:nvSpPr>
         <p:spPr>
           <a:xfrm>
-            <a:off x="5183188" y="987425"/>
-            <a:ext cx="6172200" cy="4873625"/>
+            <a:off x="7774782" y="987426"/>
+            <a:ext cx="9258300" cy="4873625"/>
           </a:xfrm>
         </p:spPr>
         <p:txBody>
@@ -2366,7 +2321,7 @@
               <a:rPr lang="en-US" smtClean="0"/>
               <a:t>Fifth level</a:t>
             </a:r>
-            <a:endParaRPr lang="en-US"/>
+            <a:endParaRPr lang="en-US" dirty="0"/>
           </a:p>
         </p:txBody>
       </p:sp>
@@ -2382,8 +2337,8 @@
         </p:nvSpPr>
         <p:spPr>
           <a:xfrm>
-            <a:off x="839788" y="2057400"/>
-            <a:ext cx="3932237" cy="3811588"/>
+            <a:off x="1259683" y="2057400"/>
+            <a:ext cx="5898356" cy="3811588"/>
           </a:xfrm>
         </p:spPr>
         <p:txBody>
@@ -2452,7 +2407,7 @@
           <a:p>
             <a:fld id="{8173885B-41C4-EF40-A00D-9EB844E8C110}" type="datetimeFigureOut">
               <a:rPr lang="en-US" smtClean="0"/>
-              <a:t>8/14/18</a:t>
+              <a:t>8/15/18</a:t>
             </a:fld>
             <a:endParaRPr lang="en-US"/>
           </a:p>
@@ -2501,11 +2456,6 @@
         </p:txBody>
       </p:sp>
     </p:spTree>
-    <p:extLst>
-      <p:ext uri="{BB962C8B-B14F-4D97-AF65-F5344CB8AC3E}">
-        <p14:creationId xmlns:p14="http://schemas.microsoft.com/office/powerpoint/2010/main" val="82228763"/>
-      </p:ext>
-    </p:extLst>
   </p:cSld>
   <p:clrMapOvr>
     <a:masterClrMapping/>
@@ -2542,8 +2492,8 @@
         </p:nvSpPr>
         <p:spPr>
           <a:xfrm>
-            <a:off x="839788" y="457200"/>
-            <a:ext cx="3932237" cy="1600200"/>
+            <a:off x="1259683" y="457200"/>
+            <a:ext cx="5898356" cy="1600200"/>
           </a:xfrm>
         </p:spPr>
         <p:txBody>
@@ -2558,7 +2508,7 @@
               <a:rPr lang="en-US" smtClean="0"/>
               <a:t>Click to edit Master title style</a:t>
             </a:r>
-            <a:endParaRPr lang="en-US"/>
+            <a:endParaRPr lang="en-US" dirty="0"/>
           </a:p>
         </p:txBody>
       </p:sp>
@@ -2566,7 +2516,7 @@
         <p:nvSpPr>
           <p:cNvPr id="3" name="Picture Placeholder 2"/>
           <p:cNvSpPr>
-            <a:spLocks noGrp="1"/>
+            <a:spLocks noGrp="1" noChangeAspect="1"/>
           </p:cNvSpPr>
           <p:nvPr>
             <p:ph type="pic" idx="1"/>
@@ -2574,8 +2524,73 @@
         </p:nvSpPr>
         <p:spPr>
           <a:xfrm>
-            <a:off x="5183188" y="987425"/>
-            <a:ext cx="6172200" cy="4873625"/>
+            <a:off x="7774782" y="987426"/>
+            <a:ext cx="9258300" cy="4873625"/>
+          </a:xfrm>
+        </p:spPr>
+        <p:txBody>
+          <a:bodyPr anchor="t"/>
+          <a:lstStyle>
+            <a:lvl1pPr marL="0" indent="0">
+              <a:buNone/>
+              <a:defRPr sz="3200"/>
+            </a:lvl1pPr>
+            <a:lvl2pPr marL="457200" indent="0">
+              <a:buNone/>
+              <a:defRPr sz="2800"/>
+            </a:lvl2pPr>
+            <a:lvl3pPr marL="914400" indent="0">
+              <a:buNone/>
+              <a:defRPr sz="2400"/>
+            </a:lvl3pPr>
+            <a:lvl4pPr marL="1371600" indent="0">
+              <a:buNone/>
+              <a:defRPr sz="2000"/>
+            </a:lvl4pPr>
+            <a:lvl5pPr marL="1828800" indent="0">
+              <a:buNone/>
+              <a:defRPr sz="2000"/>
+            </a:lvl5pPr>
+            <a:lvl6pPr marL="2286000" indent="0">
+              <a:buNone/>
+              <a:defRPr sz="2000"/>
+            </a:lvl6pPr>
+            <a:lvl7pPr marL="2743200" indent="0">
+              <a:buNone/>
+              <a:defRPr sz="2000"/>
+            </a:lvl7pPr>
+            <a:lvl8pPr marL="3200400" indent="0">
+              <a:buNone/>
+              <a:defRPr sz="2000"/>
+            </a:lvl8pPr>
+            <a:lvl9pPr marL="3657600" indent="0">
+              <a:buNone/>
+              <a:defRPr sz="2000"/>
+            </a:lvl9pPr>
+          </a:lstStyle>
+          <a:p>
+            <a:r>
+              <a:rPr lang="en-US" smtClean="0"/>
+              <a:t>Drag picture to placeholder or click icon to add</a:t>
+            </a:r>
+            <a:endParaRPr lang="en-US" dirty="0"/>
+          </a:p>
+        </p:txBody>
+      </p:sp>
+      <p:sp>
+        <p:nvSpPr>
+          <p:cNvPr id="4" name="Text Placeholder 3"/>
+          <p:cNvSpPr>
+            <a:spLocks noGrp="1"/>
+          </p:cNvSpPr>
+          <p:nvPr>
+            <p:ph type="body" sz="half" idx="2"/>
+          </p:nvPr>
+        </p:nvSpPr>
+        <p:spPr>
+          <a:xfrm>
+            <a:off x="1259683" y="2057400"/>
+            <a:ext cx="5898356" cy="3811588"/>
           </a:xfrm>
         </p:spPr>
         <p:txBody>
@@ -2583,67 +2598,6 @@
           <a:lstStyle>
             <a:lvl1pPr marL="0" indent="0">
               <a:buNone/>
-              <a:defRPr sz="3200"/>
-            </a:lvl1pPr>
-            <a:lvl2pPr marL="457200" indent="0">
-              <a:buNone/>
-              <a:defRPr sz="2800"/>
-            </a:lvl2pPr>
-            <a:lvl3pPr marL="914400" indent="0">
-              <a:buNone/>
-              <a:defRPr sz="2400"/>
-            </a:lvl3pPr>
-            <a:lvl4pPr marL="1371600" indent="0">
-              <a:buNone/>
-              <a:defRPr sz="2000"/>
-            </a:lvl4pPr>
-            <a:lvl5pPr marL="1828800" indent="0">
-              <a:buNone/>
-              <a:defRPr sz="2000"/>
-            </a:lvl5pPr>
-            <a:lvl6pPr marL="2286000" indent="0">
-              <a:buNone/>
-              <a:defRPr sz="2000"/>
-            </a:lvl6pPr>
-            <a:lvl7pPr marL="2743200" indent="0">
-              <a:buNone/>
-              <a:defRPr sz="2000"/>
-            </a:lvl7pPr>
-            <a:lvl8pPr marL="3200400" indent="0">
-              <a:buNone/>
-              <a:defRPr sz="2000"/>
-            </a:lvl8pPr>
-            <a:lvl9pPr marL="3657600" indent="0">
-              <a:buNone/>
-              <a:defRPr sz="2000"/>
-            </a:lvl9pPr>
-          </a:lstStyle>
-          <a:p>
-            <a:endParaRPr lang="en-US"/>
-          </a:p>
-        </p:txBody>
-      </p:sp>
-      <p:sp>
-        <p:nvSpPr>
-          <p:cNvPr id="4" name="Text Placeholder 3"/>
-          <p:cNvSpPr>
-            <a:spLocks noGrp="1"/>
-          </p:cNvSpPr>
-          <p:nvPr>
-            <p:ph type="body" sz="half" idx="2"/>
-          </p:nvPr>
-        </p:nvSpPr>
-        <p:spPr>
-          <a:xfrm>
-            <a:off x="839788" y="2057400"/>
-            <a:ext cx="3932237" cy="3811588"/>
-          </a:xfrm>
-        </p:spPr>
-        <p:txBody>
-          <a:bodyPr/>
-          <a:lstStyle>
-            <a:lvl1pPr marL="0" indent="0">
-              <a:buNone/>
               <a:defRPr sz="1600"/>
             </a:lvl1pPr>
             <a:lvl2pPr marL="457200" indent="0">
@@ -2705,7 +2659,7 @@
           <a:p>
             <a:fld id="{8173885B-41C4-EF40-A00D-9EB844E8C110}" type="datetimeFigureOut">
               <a:rPr lang="en-US" smtClean="0"/>
-              <a:t>8/14/18</a:t>
+              <a:t>8/15/18</a:t>
             </a:fld>
             <a:endParaRPr lang="en-US"/>
           </a:p>
@@ -2754,11 +2708,6 @@
         </p:txBody>
       </p:sp>
     </p:spTree>
-    <p:extLst>
-      <p:ext uri="{BB962C8B-B14F-4D97-AF65-F5344CB8AC3E}">
-        <p14:creationId xmlns:p14="http://schemas.microsoft.com/office/powerpoint/2010/main" val="1186834720"/>
-      </p:ext>
-    </p:extLst>
   </p:cSld>
   <p:clrMapOvr>
     <a:masterClrMapping/>
@@ -2800,8 +2749,8 @@
         </p:nvSpPr>
         <p:spPr>
           <a:xfrm>
-            <a:off x="838200" y="365125"/>
-            <a:ext cx="10515600" cy="1325563"/>
+            <a:off x="1257300" y="365126"/>
+            <a:ext cx="15773400" cy="1325563"/>
           </a:xfrm>
           <a:prstGeom prst="rect">
             <a:avLst/>
@@ -2817,7 +2766,7 @@
               <a:rPr lang="en-US" smtClean="0"/>
               <a:t>Click to edit Master title style</a:t>
             </a:r>
-            <a:endParaRPr lang="en-US"/>
+            <a:endParaRPr lang="en-US" dirty="0"/>
           </a:p>
         </p:txBody>
       </p:sp>
@@ -2833,8 +2782,8 @@
         </p:nvSpPr>
         <p:spPr>
           <a:xfrm>
-            <a:off x="838200" y="1825625"/>
-            <a:ext cx="10515600" cy="4351338"/>
+            <a:off x="1257300" y="1825625"/>
+            <a:ext cx="15773400" cy="4351338"/>
           </a:xfrm>
           <a:prstGeom prst="rect">
             <a:avLst/>
@@ -2879,7 +2828,7 @@
               <a:rPr lang="en-US" smtClean="0"/>
               <a:t>Fifth level</a:t>
             </a:r>
-            <a:endParaRPr lang="en-US"/>
+            <a:endParaRPr lang="en-US" dirty="0"/>
           </a:p>
         </p:txBody>
       </p:sp>
@@ -2895,8 +2844,8 @@
         </p:nvSpPr>
         <p:spPr>
           <a:xfrm>
-            <a:off x="838200" y="6356350"/>
-            <a:ext cx="2743200" cy="365125"/>
+            <a:off x="1257300" y="6356351"/>
+            <a:ext cx="4114800" cy="365125"/>
           </a:xfrm>
           <a:prstGeom prst="rect">
             <a:avLst/>
@@ -2918,7 +2867,7 @@
           <a:p>
             <a:fld id="{8173885B-41C4-EF40-A00D-9EB844E8C110}" type="datetimeFigureOut">
               <a:rPr lang="en-US" smtClean="0"/>
-              <a:t>8/14/18</a:t>
+              <a:t>8/15/18</a:t>
             </a:fld>
             <a:endParaRPr lang="en-US"/>
           </a:p>
@@ -2936,8 +2885,8 @@
         </p:nvSpPr>
         <p:spPr>
           <a:xfrm>
-            <a:off x="4038600" y="6356350"/>
-            <a:ext cx="4114800" cy="365125"/>
+            <a:off x="6057900" y="6356351"/>
+            <a:ext cx="6172200" cy="365125"/>
           </a:xfrm>
           <a:prstGeom prst="rect">
             <a:avLst/>
@@ -2973,8 +2922,8 @@
         </p:nvSpPr>
         <p:spPr>
           <a:xfrm>
-            <a:off x="8610600" y="6356350"/>
-            <a:ext cx="2743200" cy="365125"/>
+            <a:off x="12915900" y="6356351"/>
+            <a:ext cx="4114800" cy="365125"/>
           </a:xfrm>
           <a:prstGeom prst="rect">
             <a:avLst/>
@@ -3005,23 +2954,23 @@
     </p:spTree>
     <p:extLst>
       <p:ext uri="{BB962C8B-B14F-4D97-AF65-F5344CB8AC3E}">
-        <p14:creationId xmlns:p14="http://schemas.microsoft.com/office/powerpoint/2010/main" val="153106795"/>
+        <p14:creationId xmlns:p14="http://schemas.microsoft.com/office/powerpoint/2010/main" val="1498523771"/>
       </p:ext>
     </p:extLst>
   </p:cSld>
   <p:clrMap bg1="lt1" tx1="dk1" bg2="lt2" tx2="dk2" accent1="accent1" accent2="accent2" accent3="accent3" accent4="accent4" accent5="accent5" accent6="accent6" hlink="hlink" folHlink="folHlink"/>
   <p:sldLayoutIdLst>
-    <p:sldLayoutId id="2147483649" r:id="rId1"/>
-    <p:sldLayoutId id="2147483650" r:id="rId2"/>
-    <p:sldLayoutId id="2147483651" r:id="rId3"/>
-    <p:sldLayoutId id="2147483652" r:id="rId4"/>
-    <p:sldLayoutId id="2147483653" r:id="rId5"/>
-    <p:sldLayoutId id="2147483654" r:id="rId6"/>
-    <p:sldLayoutId id="2147483655" r:id="rId7"/>
-    <p:sldLayoutId id="2147483656" r:id="rId8"/>
-    <p:sldLayoutId id="2147483657" r:id="rId9"/>
-    <p:sldLayoutId id="2147483658" r:id="rId10"/>
-    <p:sldLayoutId id="2147483659" r:id="rId11"/>
+    <p:sldLayoutId id="2147483661" r:id="rId1"/>
+    <p:sldLayoutId id="2147483662" r:id="rId2"/>
+    <p:sldLayoutId id="2147483663" r:id="rId3"/>
+    <p:sldLayoutId id="2147483664" r:id="rId4"/>
+    <p:sldLayoutId id="2147483665" r:id="rId5"/>
+    <p:sldLayoutId id="2147483666" r:id="rId6"/>
+    <p:sldLayoutId id="2147483667" r:id="rId7"/>
+    <p:sldLayoutId id="2147483668" r:id="rId8"/>
+    <p:sldLayoutId id="2147483669" r:id="rId9"/>
+    <p:sldLayoutId id="2147483670" r:id="rId10"/>
+    <p:sldLayoutId id="2147483671" r:id="rId11"/>
   </p:sldLayoutIdLst>
   <p:txStyles>
     <p:titleStyle>
@@ -3051,7 +3000,7 @@
         <a:spcBef>
           <a:spcPts val="1000"/>
         </a:spcBef>
-        <a:buFont typeface="Arial"/>
+        <a:buFont typeface="Arial" panose="020B0604020202020204" pitchFamily="34" charset="0"/>
         <a:buChar char="•"/>
         <a:defRPr sz="2800" kern="1200">
           <a:solidFill>
@@ -3069,7 +3018,7 @@
         <a:spcBef>
           <a:spcPts val="500"/>
         </a:spcBef>
-        <a:buFont typeface="Arial"/>
+        <a:buFont typeface="Arial" panose="020B0604020202020204" pitchFamily="34" charset="0"/>
         <a:buChar char="•"/>
         <a:defRPr sz="2400" kern="1200">
           <a:solidFill>
@@ -3087,7 +3036,7 @@
         <a:spcBef>
           <a:spcPts val="500"/>
         </a:spcBef>
-        <a:buFont typeface="Arial"/>
+        <a:buFont typeface="Arial" panose="020B0604020202020204" pitchFamily="34" charset="0"/>
         <a:buChar char="•"/>
         <a:defRPr sz="2000" kern="1200">
           <a:solidFill>
@@ -3105,7 +3054,7 @@
         <a:spcBef>
           <a:spcPts val="500"/>
         </a:spcBef>
-        <a:buFont typeface="Arial"/>
+        <a:buFont typeface="Arial" panose="020B0604020202020204" pitchFamily="34" charset="0"/>
         <a:buChar char="•"/>
         <a:defRPr sz="1800" kern="1200">
           <a:solidFill>
@@ -3123,7 +3072,7 @@
         <a:spcBef>
           <a:spcPts val="500"/>
         </a:spcBef>
-        <a:buFont typeface="Arial"/>
+        <a:buFont typeface="Arial" panose="020B0604020202020204" pitchFamily="34" charset="0"/>
         <a:buChar char="•"/>
         <a:defRPr sz="1800" kern="1200">
           <a:solidFill>
@@ -3141,7 +3090,7 @@
         <a:spcBef>
           <a:spcPts val="500"/>
         </a:spcBef>
-        <a:buFont typeface="Arial"/>
+        <a:buFont typeface="Arial" panose="020B0604020202020204" pitchFamily="34" charset="0"/>
         <a:buChar char="•"/>
         <a:defRPr sz="1800" kern="1200">
           <a:solidFill>
@@ -3159,7 +3108,7 @@
         <a:spcBef>
           <a:spcPts val="500"/>
         </a:spcBef>
-        <a:buFont typeface="Arial"/>
+        <a:buFont typeface="Arial" panose="020B0604020202020204" pitchFamily="34" charset="0"/>
         <a:buChar char="•"/>
         <a:defRPr sz="1800" kern="1200">
           <a:solidFill>
@@ -3177,7 +3126,7 @@
         <a:spcBef>
           <a:spcPts val="500"/>
         </a:spcBef>
-        <a:buFont typeface="Arial"/>
+        <a:buFont typeface="Arial" panose="020B0604020202020204" pitchFamily="34" charset="0"/>
         <a:buChar char="•"/>
         <a:defRPr sz="1800" kern="1200">
           <a:solidFill>
@@ -3195,7 +3144,7 @@
         <a:spcBef>
           <a:spcPts val="500"/>
         </a:spcBef>
-        <a:buFont typeface="Arial"/>
+        <a:buFont typeface="Arial" panose="020B0604020202020204" pitchFamily="34" charset="0"/>
         <a:buChar char="•"/>
         <a:defRPr sz="1800" kern="1200">
           <a:solidFill>
@@ -3331,7 +3280,7 @@
         </p:nvSpPr>
         <p:spPr>
           <a:xfrm>
-            <a:off x="1141018" y="1747989"/>
+            <a:off x="4189018" y="1747990"/>
             <a:ext cx="2043490" cy="464939"/>
           </a:xfrm>
           <a:prstGeom prst="rect">
@@ -3366,7 +3315,7 @@
           <a:p>
             <a:pPr algn="ctr"/>
             <a:r>
-              <a:rPr lang="en-US" dirty="0" smtClean="0">
+              <a:rPr lang="en-US" dirty="0">
                 <a:solidFill>
                   <a:schemeClr val="tx1"/>
                 </a:solidFill>
@@ -3389,7 +3338,7 @@
         </p:nvSpPr>
         <p:spPr>
           <a:xfrm>
-            <a:off x="1141018" y="2586446"/>
+            <a:off x="4189018" y="2586447"/>
             <a:ext cx="2043490" cy="464939"/>
           </a:xfrm>
           <a:prstGeom prst="rect">
@@ -3424,7 +3373,7 @@
           <a:p>
             <a:pPr algn="ctr"/>
             <a:r>
-              <a:rPr lang="en-US" dirty="0" smtClean="0">
+              <a:rPr lang="en-US" dirty="0">
                 <a:solidFill>
                   <a:schemeClr val="tx1"/>
                 </a:solidFill>
@@ -3447,7 +3396,7 @@
         </p:nvSpPr>
         <p:spPr>
           <a:xfrm>
-            <a:off x="1141018" y="3424903"/>
+            <a:off x="4189018" y="3424904"/>
             <a:ext cx="2043490" cy="464939"/>
           </a:xfrm>
           <a:prstGeom prst="rect">
@@ -3482,7 +3431,7 @@
           <a:p>
             <a:pPr algn="ctr"/>
             <a:r>
-              <a:rPr lang="en-US" smtClean="0">
+              <a:rPr lang="en-US">
                 <a:solidFill>
                   <a:schemeClr val="tx1"/>
                 </a:solidFill>
@@ -3505,7 +3454,7 @@
         </p:nvSpPr>
         <p:spPr>
           <a:xfrm rot="16200000">
-            <a:off x="2988373" y="2464436"/>
+            <a:off x="6036374" y="2464437"/>
             <a:ext cx="2141855" cy="708959"/>
           </a:xfrm>
           <a:prstGeom prst="rect">
@@ -3540,7 +3489,7 @@
           <a:p>
             <a:pPr algn="ctr"/>
             <a:r>
-              <a:rPr lang="en-US" dirty="0" smtClean="0">
+              <a:rPr lang="en-US" dirty="0">
                 <a:solidFill>
                   <a:schemeClr val="tx1"/>
                 </a:solidFill>
@@ -3551,7 +3500,7 @@
           <a:p>
             <a:pPr algn="ctr"/>
             <a:r>
-              <a:rPr lang="en-US" dirty="0" smtClean="0">
+              <a:rPr lang="en-US" dirty="0">
                 <a:solidFill>
                   <a:schemeClr val="tx1"/>
                 </a:solidFill>
@@ -3577,7 +3526,7 @@
         </p:nvCxnSpPr>
         <p:spPr>
           <a:xfrm rot="10800000">
-            <a:off x="1141018" y="1980459"/>
+            <a:off x="4189018" y="1980459"/>
             <a:ext cx="12700" cy="1676914"/>
           </a:xfrm>
           <a:prstGeom prst="curvedConnector3">
@@ -3615,7 +3564,7 @@
         </p:nvCxnSpPr>
         <p:spPr>
           <a:xfrm>
-            <a:off x="3184508" y="2818915"/>
+            <a:off x="6232509" y="2818915"/>
             <a:ext cx="520311" cy="0"/>
           </a:xfrm>
           <a:prstGeom prst="straightConnector1">
@@ -3651,7 +3600,7 @@
         </p:nvCxnSpPr>
         <p:spPr>
           <a:xfrm>
-            <a:off x="2162763" y="2212928"/>
+            <a:off x="5210763" y="2212928"/>
             <a:ext cx="0" cy="373518"/>
           </a:xfrm>
           <a:prstGeom prst="straightConnector1">
@@ -3685,7 +3634,7 @@
         </p:nvCxnSpPr>
         <p:spPr>
           <a:xfrm>
-            <a:off x="2162763" y="3051385"/>
+            <a:off x="5210763" y="3051385"/>
             <a:ext cx="0" cy="373518"/>
           </a:xfrm>
           <a:prstGeom prst="straightConnector1">
@@ -3719,7 +3668,7 @@
         </p:nvCxnSpPr>
         <p:spPr>
           <a:xfrm>
-            <a:off x="3184508" y="1980459"/>
+            <a:off x="6232509" y="1980459"/>
             <a:ext cx="520311" cy="0"/>
           </a:xfrm>
           <a:prstGeom prst="straightConnector1">
@@ -3753,7 +3702,7 @@
         </p:nvCxnSpPr>
         <p:spPr>
           <a:xfrm>
-            <a:off x="3184508" y="3646697"/>
+            <a:off x="6232509" y="3646697"/>
             <a:ext cx="520311" cy="0"/>
           </a:xfrm>
           <a:prstGeom prst="straightConnector1">
@@ -3817,7 +3766,7 @@
         </p:nvSpPr>
         <p:spPr>
           <a:xfrm>
-            <a:off x="1141018" y="1747989"/>
+            <a:off x="3832711" y="1747990"/>
             <a:ext cx="2043490" cy="464939"/>
           </a:xfrm>
           <a:prstGeom prst="rect">
@@ -3852,7 +3801,7 @@
           <a:p>
             <a:pPr algn="ctr"/>
             <a:r>
-              <a:rPr lang="en-US" dirty="0" smtClean="0">
+              <a:rPr lang="en-US" dirty="0">
                 <a:solidFill>
                   <a:schemeClr val="tx1"/>
                 </a:solidFill>
@@ -3875,7 +3824,7 @@
         </p:nvSpPr>
         <p:spPr>
           <a:xfrm>
-            <a:off x="1141018" y="2586446"/>
+            <a:off x="3832711" y="2586447"/>
             <a:ext cx="2043490" cy="464939"/>
           </a:xfrm>
           <a:prstGeom prst="rect">
@@ -3910,7 +3859,7 @@
           <a:p>
             <a:pPr algn="ctr"/>
             <a:r>
-              <a:rPr lang="en-US" dirty="0" smtClean="0">
+              <a:rPr lang="en-US" dirty="0">
                 <a:solidFill>
                   <a:schemeClr val="tx1"/>
                 </a:solidFill>
@@ -3933,7 +3882,7 @@
         </p:nvSpPr>
         <p:spPr>
           <a:xfrm>
-            <a:off x="1141018" y="3424903"/>
+            <a:off x="3832711" y="3424904"/>
             <a:ext cx="2043490" cy="464939"/>
           </a:xfrm>
           <a:prstGeom prst="rect">
@@ -3968,7 +3917,7 @@
           <a:p>
             <a:pPr algn="ctr"/>
             <a:r>
-              <a:rPr lang="en-US" dirty="0" err="1" smtClean="0">
+              <a:rPr lang="en-US" dirty="0" err="1">
                 <a:solidFill>
                   <a:schemeClr val="tx1"/>
                 </a:solidFill>
@@ -3991,8 +3940,8 @@
         </p:nvSpPr>
         <p:spPr>
           <a:xfrm>
-            <a:off x="487105" y="865414"/>
-            <a:ext cx="7040167" cy="528096"/>
+            <a:off x="3178799" y="865414"/>
+            <a:ext cx="11647820" cy="528096"/>
           </a:xfrm>
           <a:prstGeom prst="rect">
             <a:avLst/>
@@ -4026,20 +3975,12 @@
           <a:p>
             <a:pPr algn="ctr"/>
             <a:r>
-              <a:rPr lang="en-US" dirty="0" smtClean="0">
+              <a:rPr lang="en-US" dirty="0">
                 <a:solidFill>
                   <a:schemeClr val="tx1"/>
                 </a:solidFill>
               </a:rPr>
-              <a:t>Performance </a:t>
-            </a:r>
-            <a:r>
-              <a:rPr lang="en-US" dirty="0" smtClean="0">
-                <a:solidFill>
-                  <a:schemeClr val="tx1"/>
-                </a:solidFill>
-              </a:rPr>
-              <a:t>Counters</a:t>
+              <a:t>Performance Counters</a:t>
             </a:r>
             <a:endParaRPr lang="en-US" dirty="0">
               <a:solidFill>
@@ -4060,7 +4001,7 @@
         </p:nvCxnSpPr>
         <p:spPr>
           <a:xfrm rot="10800000">
-            <a:off x="1141018" y="1980459"/>
+            <a:off x="3832711" y="1980459"/>
             <a:ext cx="12700" cy="1676914"/>
           </a:xfrm>
           <a:prstGeom prst="curvedConnector3">
@@ -4100,7 +4041,7 @@
         </p:nvCxnSpPr>
         <p:spPr>
           <a:xfrm>
-            <a:off x="2162763" y="2212928"/>
+            <a:off x="4854456" y="2212928"/>
             <a:ext cx="0" cy="373518"/>
           </a:xfrm>
           <a:prstGeom prst="straightConnector1">
@@ -4135,7 +4076,7 @@
         </p:nvCxnSpPr>
         <p:spPr>
           <a:xfrm>
-            <a:off x="2162763" y="3051385"/>
+            <a:off x="4854456" y="3051385"/>
             <a:ext cx="0" cy="373518"/>
           </a:xfrm>
           <a:prstGeom prst="straightConnector1">
@@ -4170,7 +4111,7 @@
         </p:nvSpPr>
         <p:spPr>
           <a:xfrm>
-            <a:off x="4831850" y="1747989"/>
+            <a:off x="7523543" y="1747990"/>
             <a:ext cx="2043490" cy="464939"/>
           </a:xfrm>
           <a:prstGeom prst="rect">
@@ -4205,7 +4146,7 @@
           <a:p>
             <a:pPr algn="ctr"/>
             <a:r>
-              <a:rPr lang="en-US" dirty="0" smtClean="0">
+              <a:rPr lang="en-US" dirty="0">
                 <a:solidFill>
                   <a:schemeClr val="tx1"/>
                 </a:solidFill>
@@ -4228,7 +4169,7 @@
         </p:nvSpPr>
         <p:spPr>
           <a:xfrm>
-            <a:off x="4831850" y="2586446"/>
+            <a:off x="7523543" y="2586447"/>
             <a:ext cx="2043490" cy="464939"/>
           </a:xfrm>
           <a:prstGeom prst="rect">
@@ -4263,7 +4204,7 @@
           <a:p>
             <a:pPr algn="ctr"/>
             <a:r>
-              <a:rPr lang="en-US" dirty="0" smtClean="0">
+              <a:rPr lang="en-US" dirty="0">
                 <a:solidFill>
                   <a:schemeClr val="tx1"/>
                 </a:solidFill>
@@ -4286,7 +4227,7 @@
         </p:nvSpPr>
         <p:spPr>
           <a:xfrm>
-            <a:off x="4831850" y="3424903"/>
+            <a:off x="7523543" y="3424904"/>
             <a:ext cx="2043490" cy="464939"/>
           </a:xfrm>
           <a:prstGeom prst="rect">
@@ -4321,7 +4262,7 @@
           <a:p>
             <a:pPr algn="ctr"/>
             <a:r>
-              <a:rPr lang="en-US" smtClean="0">
+              <a:rPr lang="en-US">
                 <a:solidFill>
                   <a:schemeClr val="tx1"/>
                 </a:solidFill>
@@ -4344,7 +4285,7 @@
         </p:nvCxnSpPr>
         <p:spPr>
           <a:xfrm rot="10800000">
-            <a:off x="4831850" y="1980459"/>
+            <a:off x="7523543" y="1980459"/>
             <a:ext cx="12700" cy="1676914"/>
           </a:xfrm>
           <a:prstGeom prst="curvedConnector3">
@@ -4382,7 +4323,7 @@
         </p:nvCxnSpPr>
         <p:spPr>
           <a:xfrm>
-            <a:off x="5853595" y="2212928"/>
+            <a:off x="8545288" y="2212928"/>
             <a:ext cx="0" cy="373518"/>
           </a:xfrm>
           <a:prstGeom prst="straightConnector1">
@@ -4417,7 +4358,7 @@
         </p:nvCxnSpPr>
         <p:spPr>
           <a:xfrm>
-            <a:off x="5853595" y="3051385"/>
+            <a:off x="8545288" y="3051385"/>
             <a:ext cx="0" cy="373518"/>
           </a:xfrm>
           <a:prstGeom prst="straightConnector1">
@@ -4455,7 +4396,7 @@
         </p:nvCxnSpPr>
         <p:spPr>
           <a:xfrm rot="5400000">
-            <a:off x="4008179" y="2044426"/>
+            <a:off x="6699872" y="2044426"/>
             <a:ext cx="12700" cy="3690832"/>
           </a:xfrm>
           <a:prstGeom prst="curvedConnector3">
@@ -4494,7 +4435,7 @@
         </p:nvSpPr>
         <p:spPr>
           <a:xfrm>
-            <a:off x="487105" y="1528958"/>
+            <a:off x="3178799" y="1528958"/>
             <a:ext cx="3347357" cy="2579914"/>
           </a:xfrm>
           <a:prstGeom prst="rect">
@@ -4533,7 +4474,7 @@
         </p:nvSpPr>
         <p:spPr>
           <a:xfrm>
-            <a:off x="4179916" y="1528958"/>
+            <a:off x="6871610" y="1528958"/>
             <a:ext cx="3347357" cy="2579914"/>
           </a:xfrm>
           <a:prstGeom prst="rect">
@@ -4572,7 +4513,7 @@
         </p:nvSpPr>
         <p:spPr>
           <a:xfrm>
-            <a:off x="1626950" y="4150323"/>
+            <a:off x="4318644" y="4297724"/>
             <a:ext cx="1050031" cy="369332"/>
           </a:xfrm>
           <a:prstGeom prst="rect">
@@ -4590,14 +4531,9 @@
           <a:lstStyle/>
           <a:p>
             <a:r>
-              <a:rPr lang="en-US" dirty="0" smtClean="0"/>
-              <a:t>Locality </a:t>
-            </a:r>
-            <a:r>
-              <a:rPr lang="en-US" dirty="0" smtClean="0"/>
-              <a:t>x</a:t>
-            </a:r>
-            <a:endParaRPr lang="en-US" dirty="0" smtClean="0"/>
+              <a:rPr lang="en-US" dirty="0"/>
+              <a:t>Locality x</a:t>
+            </a:r>
           </a:p>
         </p:txBody>
       </p:sp>
@@ -4609,7 +4545,7 @@
         </p:nvSpPr>
         <p:spPr>
           <a:xfrm>
-            <a:off x="5328578" y="4155247"/>
+            <a:off x="8020272" y="4302648"/>
             <a:ext cx="1050031" cy="369332"/>
           </a:xfrm>
           <a:prstGeom prst="rect">
@@ -4627,17 +4563,442 @@
           <a:lstStyle/>
           <a:p>
             <a:r>
+              <a:rPr lang="en-US" dirty="0"/>
+              <a:t>Locality y</a:t>
+            </a:r>
+          </a:p>
+        </p:txBody>
+      </p:sp>
+      <p:sp>
+        <p:nvSpPr>
+          <p:cNvPr id="20" name="Rectangle 19"/>
+          <p:cNvSpPr/>
+          <p:nvPr/>
+        </p:nvSpPr>
+        <p:spPr>
+          <a:xfrm>
+            <a:off x="12131195" y="1747990"/>
+            <a:ext cx="2043490" cy="464939"/>
+          </a:xfrm>
+          <a:prstGeom prst="rect">
+            <a:avLst/>
+          </a:prstGeom>
+          <a:noFill/>
+          <a:ln>
+            <a:solidFill>
+              <a:schemeClr val="tx1"/>
+            </a:solidFill>
+          </a:ln>
+        </p:spPr>
+        <p:style>
+          <a:lnRef idx="2">
+            <a:schemeClr val="accent1">
+              <a:shade val="50000"/>
+            </a:schemeClr>
+          </a:lnRef>
+          <a:fillRef idx="1">
+            <a:schemeClr val="accent1"/>
+          </a:fillRef>
+          <a:effectRef idx="0">
+            <a:schemeClr val="accent1"/>
+          </a:effectRef>
+          <a:fontRef idx="minor">
+            <a:schemeClr val="lt1"/>
+          </a:fontRef>
+        </p:style>
+        <p:txBody>
+          <a:bodyPr rtlCol="0" anchor="ctr"/>
+          <a:lstStyle/>
+          <a:p>
+            <a:pPr algn="ctr"/>
+            <a:r>
+              <a:rPr lang="en-US" dirty="0">
+                <a:solidFill>
+                  <a:schemeClr val="tx1"/>
+                </a:solidFill>
+              </a:rPr>
+              <a:t>Thread Manager</a:t>
+            </a:r>
+            <a:endParaRPr lang="en-US" dirty="0">
+              <a:solidFill>
+                <a:schemeClr val="tx1"/>
+              </a:solidFill>
+            </a:endParaRPr>
+          </a:p>
+        </p:txBody>
+      </p:sp>
+      <p:sp>
+        <p:nvSpPr>
+          <p:cNvPr id="21" name="Rectangle 20"/>
+          <p:cNvSpPr/>
+          <p:nvPr/>
+        </p:nvSpPr>
+        <p:spPr>
+          <a:xfrm>
+            <a:off x="12131195" y="2586447"/>
+            <a:ext cx="2043490" cy="464939"/>
+          </a:xfrm>
+          <a:prstGeom prst="rect">
+            <a:avLst/>
+          </a:prstGeom>
+          <a:noFill/>
+          <a:ln>
+            <a:solidFill>
+              <a:schemeClr val="tx1"/>
+            </a:solidFill>
+          </a:ln>
+        </p:spPr>
+        <p:style>
+          <a:lnRef idx="2">
+            <a:schemeClr val="accent1">
+              <a:shade val="50000"/>
+            </a:schemeClr>
+          </a:lnRef>
+          <a:fillRef idx="1">
+            <a:schemeClr val="accent1"/>
+          </a:fillRef>
+          <a:effectRef idx="0">
+            <a:schemeClr val="accent1"/>
+          </a:effectRef>
+          <a:fontRef idx="minor">
+            <a:schemeClr val="lt1"/>
+          </a:fontRef>
+        </p:style>
+        <p:txBody>
+          <a:bodyPr rtlCol="0" anchor="ctr"/>
+          <a:lstStyle/>
+          <a:p>
+            <a:pPr algn="ctr"/>
+            <a:r>
+              <a:rPr lang="en-US" dirty="0">
+                <a:solidFill>
+                  <a:schemeClr val="tx1"/>
+                </a:solidFill>
+              </a:rPr>
+              <a:t>AGAS Service</a:t>
+            </a:r>
+            <a:endParaRPr lang="en-US" dirty="0">
+              <a:solidFill>
+                <a:schemeClr val="tx1"/>
+              </a:solidFill>
+            </a:endParaRPr>
+          </a:p>
+        </p:txBody>
+      </p:sp>
+      <p:sp>
+        <p:nvSpPr>
+          <p:cNvPr id="22" name="Rectangle 21"/>
+          <p:cNvSpPr/>
+          <p:nvPr/>
+        </p:nvSpPr>
+        <p:spPr>
+          <a:xfrm>
+            <a:off x="12131195" y="3424904"/>
+            <a:ext cx="2043490" cy="464939"/>
+          </a:xfrm>
+          <a:prstGeom prst="rect">
+            <a:avLst/>
+          </a:prstGeom>
+          <a:noFill/>
+          <a:ln>
+            <a:solidFill>
+              <a:schemeClr val="tx1"/>
+            </a:solidFill>
+          </a:ln>
+        </p:spPr>
+        <p:style>
+          <a:lnRef idx="2">
+            <a:schemeClr val="accent1">
+              <a:shade val="50000"/>
+            </a:schemeClr>
+          </a:lnRef>
+          <a:fillRef idx="1">
+            <a:schemeClr val="accent1"/>
+          </a:fillRef>
+          <a:effectRef idx="0">
+            <a:schemeClr val="accent1"/>
+          </a:effectRef>
+          <a:fontRef idx="minor">
+            <a:schemeClr val="lt1"/>
+          </a:fontRef>
+        </p:style>
+        <p:txBody>
+          <a:bodyPr rtlCol="0" anchor="ctr"/>
+          <a:lstStyle/>
+          <a:p>
+            <a:pPr algn="ctr"/>
+            <a:r>
+              <a:rPr lang="en-US">
+                <a:solidFill>
+                  <a:schemeClr val="tx1"/>
+                </a:solidFill>
+              </a:rPr>
+              <a:t>Parcelport</a:t>
+            </a:r>
+            <a:endParaRPr lang="en-US" dirty="0">
+              <a:solidFill>
+                <a:schemeClr val="tx1"/>
+              </a:solidFill>
+            </a:endParaRPr>
+          </a:p>
+        </p:txBody>
+      </p:sp>
+      <p:cxnSp>
+        <p:nvCxnSpPr>
+          <p:cNvPr id="23" name="Curved Connector 22"/>
+          <p:cNvCxnSpPr/>
+          <p:nvPr/>
+        </p:nvCxnSpPr>
+        <p:spPr>
+          <a:xfrm rot="10800000">
+            <a:off x="12131195" y="1980459"/>
+            <a:ext cx="12700" cy="1676914"/>
+          </a:xfrm>
+          <a:prstGeom prst="curvedConnector3">
+            <a:avLst>
+              <a:gd name="adj1" fmla="val 4011425"/>
+            </a:avLst>
+          </a:prstGeom>
+          <a:ln>
+            <a:solidFill>
+              <a:schemeClr val="tx1"/>
+            </a:solidFill>
+            <a:tailEnd type="triangle"/>
+          </a:ln>
+        </p:spPr>
+        <p:style>
+          <a:lnRef idx="1">
+            <a:schemeClr val="accent1"/>
+          </a:lnRef>
+          <a:fillRef idx="0">
+            <a:schemeClr val="accent1"/>
+          </a:fillRef>
+          <a:effectRef idx="0">
+            <a:schemeClr val="accent1"/>
+          </a:effectRef>
+          <a:fontRef idx="minor">
+            <a:schemeClr val="tx1"/>
+          </a:fontRef>
+        </p:style>
+      </p:cxnSp>
+      <p:cxnSp>
+        <p:nvCxnSpPr>
+          <p:cNvPr id="24" name="Straight Arrow Connector 23"/>
+          <p:cNvCxnSpPr/>
+          <p:nvPr/>
+        </p:nvCxnSpPr>
+        <p:spPr>
+          <a:xfrm>
+            <a:off x="13152940" y="2212928"/>
+            <a:ext cx="0" cy="373518"/>
+          </a:xfrm>
+          <a:prstGeom prst="straightConnector1">
+            <a:avLst/>
+          </a:prstGeom>
+          <a:ln>
+            <a:prstDash val="dash"/>
+            <a:headEnd type="triangle" w="med" len="med"/>
+            <a:tailEnd type="triangle" w="med" len="med"/>
+          </a:ln>
+        </p:spPr>
+        <p:style>
+          <a:lnRef idx="1">
+            <a:schemeClr val="dk1"/>
+          </a:lnRef>
+          <a:fillRef idx="0">
+            <a:schemeClr val="dk1"/>
+          </a:fillRef>
+          <a:effectRef idx="0">
+            <a:schemeClr val="dk1"/>
+          </a:effectRef>
+          <a:fontRef idx="minor">
+            <a:schemeClr val="tx1"/>
+          </a:fontRef>
+        </p:style>
+      </p:cxnSp>
+      <p:cxnSp>
+        <p:nvCxnSpPr>
+          <p:cNvPr id="25" name="Straight Arrow Connector 24"/>
+          <p:cNvCxnSpPr/>
+          <p:nvPr/>
+        </p:nvCxnSpPr>
+        <p:spPr>
+          <a:xfrm>
+            <a:off x="13152940" y="3051385"/>
+            <a:ext cx="0" cy="373518"/>
+          </a:xfrm>
+          <a:prstGeom prst="straightConnector1">
+            <a:avLst/>
+          </a:prstGeom>
+          <a:ln>
+            <a:prstDash val="dash"/>
+            <a:headEnd type="triangle" w="med" len="med"/>
+            <a:tailEnd type="triangle" w="med" len="med"/>
+          </a:ln>
+        </p:spPr>
+        <p:style>
+          <a:lnRef idx="1">
+            <a:schemeClr val="dk1"/>
+          </a:lnRef>
+          <a:fillRef idx="0">
+            <a:schemeClr val="dk1"/>
+          </a:fillRef>
+          <a:effectRef idx="0">
+            <a:schemeClr val="dk1"/>
+          </a:effectRef>
+          <a:fontRef idx="minor">
+            <a:schemeClr val="tx1"/>
+          </a:fontRef>
+        </p:style>
+      </p:cxnSp>
+      <p:sp>
+        <p:nvSpPr>
+          <p:cNvPr id="26" name="Rectangle 25"/>
+          <p:cNvSpPr/>
+          <p:nvPr/>
+        </p:nvSpPr>
+        <p:spPr>
+          <a:xfrm>
+            <a:off x="11479262" y="1528958"/>
+            <a:ext cx="3347357" cy="2579914"/>
+          </a:xfrm>
+          <a:prstGeom prst="rect">
+            <a:avLst/>
+          </a:prstGeom>
+          <a:noFill/>
+        </p:spPr>
+        <p:style>
+          <a:lnRef idx="2">
+            <a:schemeClr val="dk1"/>
+          </a:lnRef>
+          <a:fillRef idx="1">
+            <a:schemeClr val="lt1"/>
+          </a:fillRef>
+          <a:effectRef idx="0">
+            <a:schemeClr val="dk1"/>
+          </a:effectRef>
+          <a:fontRef idx="minor">
+            <a:schemeClr val="dk1"/>
+          </a:fontRef>
+        </p:style>
+        <p:txBody>
+          <a:bodyPr rtlCol="0" anchor="ctr"/>
+          <a:lstStyle/>
+          <a:p>
+            <a:pPr algn="ctr"/>
+            <a:endParaRPr lang="en-US"/>
+          </a:p>
+        </p:txBody>
+      </p:sp>
+      <p:sp>
+        <p:nvSpPr>
+          <p:cNvPr id="27" name="TextBox 26"/>
+          <p:cNvSpPr txBox="1"/>
+          <p:nvPr/>
+        </p:nvSpPr>
+        <p:spPr>
+          <a:xfrm>
+            <a:off x="12627924" y="4302648"/>
+            <a:ext cx="1050031" cy="369332"/>
+          </a:xfrm>
+          <a:prstGeom prst="rect">
+            <a:avLst/>
+          </a:prstGeom>
+          <a:noFill/>
+          <a:ln>
+            <a:noFill/>
+          </a:ln>
+        </p:spPr>
+        <p:txBody>
+          <a:bodyPr wrap="none" rtlCol="0">
+            <a:spAutoFit/>
+          </a:bodyPr>
+          <a:lstStyle/>
+          <a:p>
+            <a:r>
+              <a:rPr lang="en-US" dirty="0"/>
+              <a:t>Locality </a:t>
+            </a:r>
+            <a:r>
               <a:rPr lang="en-US" dirty="0" smtClean="0"/>
-              <a:t>Locality </a:t>
-            </a:r>
+              <a:t>z</a:t>
+            </a:r>
+            <a:endParaRPr lang="en-US" dirty="0"/>
+          </a:p>
+        </p:txBody>
+      </p:sp>
+      <p:sp>
+        <p:nvSpPr>
+          <p:cNvPr id="2" name="TextBox 1"/>
+          <p:cNvSpPr txBox="1"/>
+          <p:nvPr/>
+        </p:nvSpPr>
+        <p:spPr>
+          <a:xfrm>
+            <a:off x="10564421" y="2581522"/>
+            <a:ext cx="569387" cy="369332"/>
+          </a:xfrm>
+          <a:prstGeom prst="rect">
+            <a:avLst/>
+          </a:prstGeom>
+          <a:noFill/>
+        </p:spPr>
+        <p:txBody>
+          <a:bodyPr wrap="none" rtlCol="0">
+            <a:spAutoFit/>
+          </a:bodyPr>
+          <a:lstStyle/>
+          <a:p>
             <a:r>
               <a:rPr lang="en-US" dirty="0" smtClean="0"/>
-              <a:t>y</a:t>
-            </a:r>
-            <a:endParaRPr lang="en-US" dirty="0" smtClean="0"/>
-          </a:p>
-        </p:txBody>
-      </p:sp>
+              <a:t>.  .  .</a:t>
+            </a:r>
+            <a:endParaRPr lang="en-US" dirty="0"/>
+          </a:p>
+        </p:txBody>
+      </p:sp>
+      <p:cxnSp>
+        <p:nvCxnSpPr>
+          <p:cNvPr id="29" name="Curved Connector 28"/>
+          <p:cNvCxnSpPr>
+            <a:stCxn id="26" idx="2"/>
+            <a:endCxn id="56" idx="2"/>
+          </p:cNvCxnSpPr>
+          <p:nvPr/>
+        </p:nvCxnSpPr>
+        <p:spPr>
+          <a:xfrm rot="5400000" flipH="1">
+            <a:off x="8894184" y="-149884"/>
+            <a:ext cx="219029" cy="8298485"/>
+          </a:xfrm>
+          <a:prstGeom prst="curvedConnector3">
+            <a:avLst>
+              <a:gd name="adj1" fmla="val -268380"/>
+            </a:avLst>
+          </a:prstGeom>
+          <a:ln>
+            <a:solidFill>
+              <a:schemeClr val="tx1"/>
+            </a:solidFill>
+            <a:headEnd type="triangle" w="med" len="med"/>
+            <a:tailEnd type="triangle" w="med" len="med"/>
+          </a:ln>
+        </p:spPr>
+        <p:style>
+          <a:lnRef idx="1">
+            <a:schemeClr val="accent1"/>
+          </a:lnRef>
+          <a:fillRef idx="0">
+            <a:schemeClr val="accent1"/>
+          </a:fillRef>
+          <a:effectRef idx="0">
+            <a:schemeClr val="accent1"/>
+          </a:effectRef>
+          <a:fontRef idx="minor">
+            <a:schemeClr val="tx1"/>
+          </a:fontRef>
+        </p:style>
+      </p:cxnSp>
     </p:spTree>
     <p:extLst>
       <p:ext uri="{BB962C8B-B14F-4D97-AF65-F5344CB8AC3E}">
@@ -4654,7 +5015,7 @@
 <file path=ppt/theme/theme1.xml><?xml version="1.0" encoding="utf-8"?>
 <a:theme xmlns:a="http://schemas.openxmlformats.org/drawingml/2006/main" name="Office Theme">
   <a:themeElements>
-    <a:clrScheme name="Office">
+    <a:clrScheme name="Office Theme">
       <a:dk1>
         <a:sysClr val="windowText" lastClr="000000"/>
       </a:dk1>
@@ -4692,14 +5053,14 @@
         <a:srgbClr val="954F72"/>
       </a:folHlink>
     </a:clrScheme>
-    <a:fontScheme name="Office">
+    <a:fontScheme name="Office Theme">
       <a:majorFont>
         <a:latin typeface="Calibri Light" panose="020F0302020204030204"/>
         <a:ea typeface=""/>
         <a:cs typeface=""/>
-        <a:font script="Jpan" typeface="Yu Gothic Light"/>
+        <a:font script="Jpan" typeface="游ゴシック Light"/>
         <a:font script="Hang" typeface="맑은 고딕"/>
-        <a:font script="Hans" typeface="DengXian Light"/>
+        <a:font script="Hans" typeface="等线 Light"/>
         <a:font script="Hant" typeface="新細明體"/>
         <a:font script="Arab" typeface="Times New Roman"/>
         <a:font script="Hebr" typeface="Times New Roman"/>
@@ -4732,9 +5093,9 @@
         <a:latin typeface="Calibri" panose="020F0502020204030204"/>
         <a:ea typeface=""/>
         <a:cs typeface=""/>
-        <a:font script="Jpan" typeface="Yu Gothic"/>
+        <a:font script="Jpan" typeface="游ゴシック"/>
         <a:font script="Hang" typeface="맑은 고딕"/>
-        <a:font script="Hans" typeface="DengXian"/>
+        <a:font script="Hans" typeface="等线"/>
         <a:font script="Hant" typeface="新細明體"/>
         <a:font script="Arab" typeface="Arial"/>
         <a:font script="Hebr" typeface="Arial"/>
@@ -4764,7 +5125,7 @@
         <a:font script="Geor" typeface="Sylfaen"/>
       </a:minorFont>
     </a:fontScheme>
-    <a:fmtScheme name="Office">
+    <a:fmtScheme name="Office Theme">
       <a:fillStyleLst>
         <a:solidFill>
           <a:schemeClr val="phClr"/>
